--- a/Sprint 3/ArqComp/INSTALACAO_ARDUINO.pptx
+++ b/Sprint 3/ArqComp/INSTALACAO_ARDUINO.pptx
@@ -1840,7 +1840,7 @@
           <a:p>
             <a:fld id="{846CE7D5-CF57-46EF-B807-FDD0502418D4}" type="datetimeFigureOut">
               <a:rPr lang="en-US" smtClean="0"/>
-              <a:t>5/19/2021</a:t>
+              <a:t>5/28/2021</a:t>
             </a:fld>
             <a:endParaRPr lang="en-US"/>
           </a:p>
@@ -1882,7 +1882,7 @@
           <a:p>
             <a:fld id="{330EA680-D336-4FF7-8B7A-9848BB0A1C32}" type="slidenum">
               <a:rPr lang="en-US" smtClean="0"/>
-              <a:t>‹#›</a:t>
+              <a:t>‹nº›</a:t>
             </a:fld>
             <a:endParaRPr lang="en-US"/>
           </a:p>
@@ -2010,7 +2010,7 @@
           <a:p>
             <a:fld id="{846CE7D5-CF57-46EF-B807-FDD0502418D4}" type="datetimeFigureOut">
               <a:rPr lang="en-US" smtClean="0"/>
-              <a:t>5/19/2021</a:t>
+              <a:t>5/28/2021</a:t>
             </a:fld>
             <a:endParaRPr lang="en-US"/>
           </a:p>
@@ -2052,7 +2052,7 @@
           <a:p>
             <a:fld id="{330EA680-D336-4FF7-8B7A-9848BB0A1C32}" type="slidenum">
               <a:rPr lang="en-US" smtClean="0"/>
-              <a:t>‹#›</a:t>
+              <a:t>‹nº›</a:t>
             </a:fld>
             <a:endParaRPr lang="en-US"/>
           </a:p>
@@ -2190,7 +2190,7 @@
           <a:p>
             <a:fld id="{846CE7D5-CF57-46EF-B807-FDD0502418D4}" type="datetimeFigureOut">
               <a:rPr lang="en-US" smtClean="0"/>
-              <a:t>5/19/2021</a:t>
+              <a:t>5/28/2021</a:t>
             </a:fld>
             <a:endParaRPr lang="en-US"/>
           </a:p>
@@ -2232,7 +2232,7 @@
           <a:p>
             <a:fld id="{330EA680-D336-4FF7-8B7A-9848BB0A1C32}" type="slidenum">
               <a:rPr lang="en-US" smtClean="0"/>
-              <a:t>‹#›</a:t>
+              <a:t>‹nº›</a:t>
             </a:fld>
             <a:endParaRPr lang="en-US"/>
           </a:p>
@@ -2360,7 +2360,7 @@
           <a:p>
             <a:fld id="{846CE7D5-CF57-46EF-B807-FDD0502418D4}" type="datetimeFigureOut">
               <a:rPr lang="en-US" smtClean="0"/>
-              <a:t>5/19/2021</a:t>
+              <a:t>5/28/2021</a:t>
             </a:fld>
             <a:endParaRPr lang="en-US"/>
           </a:p>
@@ -2402,7 +2402,7 @@
           <a:p>
             <a:fld id="{330EA680-D336-4FF7-8B7A-9848BB0A1C32}" type="slidenum">
               <a:rPr lang="en-US" smtClean="0"/>
-              <a:t>‹#›</a:t>
+              <a:t>‹nº›</a:t>
             </a:fld>
             <a:endParaRPr lang="en-US"/>
           </a:p>
@@ -2606,7 +2606,7 @@
           <a:p>
             <a:fld id="{846CE7D5-CF57-46EF-B807-FDD0502418D4}" type="datetimeFigureOut">
               <a:rPr lang="en-US" smtClean="0"/>
-              <a:t>5/19/2021</a:t>
+              <a:t>5/28/2021</a:t>
             </a:fld>
             <a:endParaRPr lang="en-US"/>
           </a:p>
@@ -2648,7 +2648,7 @@
           <a:p>
             <a:fld id="{330EA680-D336-4FF7-8B7A-9848BB0A1C32}" type="slidenum">
               <a:rPr lang="en-US" smtClean="0"/>
-              <a:t>‹#›</a:t>
+              <a:t>‹nº›</a:t>
             </a:fld>
             <a:endParaRPr lang="en-US"/>
           </a:p>
@@ -2838,7 +2838,7 @@
           <a:p>
             <a:fld id="{846CE7D5-CF57-46EF-B807-FDD0502418D4}" type="datetimeFigureOut">
               <a:rPr lang="en-US" smtClean="0"/>
-              <a:t>5/19/2021</a:t>
+              <a:t>5/28/2021</a:t>
             </a:fld>
             <a:endParaRPr lang="en-US"/>
           </a:p>
@@ -2880,7 +2880,7 @@
           <a:p>
             <a:fld id="{330EA680-D336-4FF7-8B7A-9848BB0A1C32}" type="slidenum">
               <a:rPr lang="en-US" smtClean="0"/>
-              <a:t>‹#›</a:t>
+              <a:t>‹nº›</a:t>
             </a:fld>
             <a:endParaRPr lang="en-US"/>
           </a:p>
@@ -3205,7 +3205,7 @@
           <a:p>
             <a:fld id="{846CE7D5-CF57-46EF-B807-FDD0502418D4}" type="datetimeFigureOut">
               <a:rPr lang="en-US" smtClean="0"/>
-              <a:t>5/19/2021</a:t>
+              <a:t>5/28/2021</a:t>
             </a:fld>
             <a:endParaRPr lang="en-US"/>
           </a:p>
@@ -3247,7 +3247,7 @@
           <a:p>
             <a:fld id="{330EA680-D336-4FF7-8B7A-9848BB0A1C32}" type="slidenum">
               <a:rPr lang="en-US" smtClean="0"/>
-              <a:t>‹#›</a:t>
+              <a:t>‹nº›</a:t>
             </a:fld>
             <a:endParaRPr lang="en-US"/>
           </a:p>
@@ -3323,7 +3323,7 @@
           <a:p>
             <a:fld id="{846CE7D5-CF57-46EF-B807-FDD0502418D4}" type="datetimeFigureOut">
               <a:rPr lang="en-US" smtClean="0"/>
-              <a:t>5/19/2021</a:t>
+              <a:t>5/28/2021</a:t>
             </a:fld>
             <a:endParaRPr lang="en-US"/>
           </a:p>
@@ -3365,7 +3365,7 @@
           <a:p>
             <a:fld id="{330EA680-D336-4FF7-8B7A-9848BB0A1C32}" type="slidenum">
               <a:rPr lang="en-US" smtClean="0"/>
-              <a:t>‹#›</a:t>
+              <a:t>‹nº›</a:t>
             </a:fld>
             <a:endParaRPr lang="en-US"/>
           </a:p>
@@ -3418,7 +3418,7 @@
           <a:p>
             <a:fld id="{846CE7D5-CF57-46EF-B807-FDD0502418D4}" type="datetimeFigureOut">
               <a:rPr lang="en-US" smtClean="0"/>
-              <a:t>5/19/2021</a:t>
+              <a:t>5/28/2021</a:t>
             </a:fld>
             <a:endParaRPr lang="en-US"/>
           </a:p>
@@ -3460,7 +3460,7 @@
           <a:p>
             <a:fld id="{330EA680-D336-4FF7-8B7A-9848BB0A1C32}" type="slidenum">
               <a:rPr lang="en-US" smtClean="0"/>
-              <a:t>‹#›</a:t>
+              <a:t>‹nº›</a:t>
             </a:fld>
             <a:endParaRPr lang="en-US"/>
           </a:p>
@@ -3695,7 +3695,7 @@
           <a:p>
             <a:fld id="{846CE7D5-CF57-46EF-B807-FDD0502418D4}" type="datetimeFigureOut">
               <a:rPr lang="en-US" smtClean="0"/>
-              <a:t>5/19/2021</a:t>
+              <a:t>5/28/2021</a:t>
             </a:fld>
             <a:endParaRPr lang="en-US"/>
           </a:p>
@@ -3737,7 +3737,7 @@
           <a:p>
             <a:fld id="{330EA680-D336-4FF7-8B7A-9848BB0A1C32}" type="slidenum">
               <a:rPr lang="en-US" smtClean="0"/>
-              <a:t>‹#›</a:t>
+              <a:t>‹nº›</a:t>
             </a:fld>
             <a:endParaRPr lang="en-US"/>
           </a:p>
@@ -3952,7 +3952,7 @@
           <a:p>
             <a:fld id="{846CE7D5-CF57-46EF-B807-FDD0502418D4}" type="datetimeFigureOut">
               <a:rPr lang="en-US" smtClean="0"/>
-              <a:t>5/19/2021</a:t>
+              <a:t>5/28/2021</a:t>
             </a:fld>
             <a:endParaRPr lang="en-US"/>
           </a:p>
@@ -3994,7 +3994,7 @@
           <a:p>
             <a:fld id="{330EA680-D336-4FF7-8B7A-9848BB0A1C32}" type="slidenum">
               <a:rPr lang="en-US" smtClean="0"/>
-              <a:t>‹#›</a:t>
+              <a:t>‹nº›</a:t>
             </a:fld>
             <a:endParaRPr lang="en-US"/>
           </a:p>
@@ -4165,7 +4165,7 @@
           <a:p>
             <a:fld id="{846CE7D5-CF57-46EF-B807-FDD0502418D4}" type="datetimeFigureOut">
               <a:rPr lang="en-US" smtClean="0"/>
-              <a:t>5/19/2021</a:t>
+              <a:t>5/28/2021</a:t>
             </a:fld>
             <a:endParaRPr lang="en-US"/>
           </a:p>
@@ -4243,7 +4243,7 @@
           <a:p>
             <a:fld id="{330EA680-D336-4FF7-8B7A-9848BB0A1C32}" type="slidenum">
               <a:rPr lang="en-US" smtClean="0"/>
-              <a:t>‹#›</a:t>
+              <a:t>‹nº›</a:t>
             </a:fld>
             <a:endParaRPr lang="en-US"/>
           </a:p>
@@ -5219,8 +5219,8 @@
         </p:nvSpPr>
         <p:spPr>
           <a:xfrm>
-            <a:off x="891531" y="985419"/>
-            <a:ext cx="3785030" cy="2947389"/>
+            <a:off x="891531" y="2725445"/>
+            <a:ext cx="3785030" cy="1207363"/>
           </a:xfrm>
           <a:noFill/>
         </p:spPr>
@@ -5230,8 +5230,9 @@
           </a:bodyPr>
           <a:lstStyle/>
           <a:p>
-            <a:r>
-              <a:rPr lang="en-US" sz="3700" kern="1200">
+            <a:pPr algn="ctr"/>
+            <a:r>
+              <a:rPr lang="en-US" sz="3700" b="1" kern="1200" dirty="0">
                 <a:solidFill>
                   <a:schemeClr val="bg1"/>
                 </a:solidFill>
@@ -5239,7 +5240,28 @@
                 <a:ea typeface="+mj-ea"/>
                 <a:cs typeface="+mj-cs"/>
               </a:rPr>
-              <a:t>CARACTERÍSTICAS-LM35</a:t>
+              <a:t>CARACTERÍSTICAS</a:t>
+            </a:r>
+            <a:br>
+              <a:rPr lang="en-US" sz="3700" b="1" kern="1200" dirty="0">
+                <a:solidFill>
+                  <a:schemeClr val="bg1"/>
+                </a:solidFill>
+                <a:latin typeface="+mj-lt"/>
+                <a:ea typeface="+mj-ea"/>
+                <a:cs typeface="+mj-cs"/>
+              </a:rPr>
+            </a:br>
+            <a:r>
+              <a:rPr lang="en-US" sz="3700" b="1" kern="1200" dirty="0">
+                <a:solidFill>
+                  <a:schemeClr val="bg1"/>
+                </a:solidFill>
+                <a:latin typeface="+mj-lt"/>
+                <a:ea typeface="+mj-ea"/>
+                <a:cs typeface="+mj-cs"/>
+              </a:rPr>
+              <a:t>LM35</a:t>
             </a:r>
           </a:p>
         </p:txBody>
@@ -7570,7 +7592,7 @@
           </p:cNvPicPr>
           <p:nvPr/>
         </p:nvPicPr>
-        <p:blipFill>
+        <p:blipFill rotWithShape="1">
           <a:blip r:embed="rId2">
             <a:extLst>
               <a:ext uri="{837473B0-CC2E-450A-ABE3-18F120FF3D39}">
@@ -7578,104 +7600,19 @@
               </a:ext>
             </a:extLst>
           </a:blip>
-          <a:stretch>
-            <a:fillRect/>
-          </a:stretch>
+          <a:srcRect b="3978"/>
+          <a:stretch/>
         </p:blipFill>
         <p:spPr>
           <a:xfrm>
             <a:off x="4654296" y="684771"/>
-            <a:ext cx="6903720" cy="5488457"/>
+            <a:ext cx="6903720" cy="5270115"/>
           </a:xfrm>
           <a:prstGeom prst="rect">
             <a:avLst/>
           </a:prstGeom>
         </p:spPr>
       </p:pic>
-      <p:sp>
-        <p:nvSpPr>
-          <p:cNvPr id="6" name="TextBox 5">
-            <a:extLst>
-              <a:ext uri="{FF2B5EF4-FFF2-40B4-BE49-F238E27FC236}">
-                <a16:creationId xmlns:a16="http://schemas.microsoft.com/office/drawing/2014/main" id="{8FB52067-90D5-4F85-A105-DE7150EAA937}"/>
-              </a:ext>
-            </a:extLst>
-          </p:cNvPr>
-          <p:cNvSpPr txBox="1"/>
-          <p:nvPr/>
-        </p:nvSpPr>
-        <p:spPr>
-          <a:xfrm>
-            <a:off x="9236548" y="5973173"/>
-            <a:ext cx="2321468" cy="200055"/>
-          </a:xfrm>
-          <a:prstGeom prst="rect">
-            <a:avLst/>
-          </a:prstGeom>
-          <a:solidFill>
-            <a:srgbClr val="000000"/>
-          </a:solidFill>
-        </p:spPr>
-        <p:txBody>
-          <a:bodyPr wrap="none">
-            <a:spAutoFit/>
-          </a:bodyPr>
-          <a:lstStyle/>
-          <a:p>
-            <a:pPr algn="r">
-              <a:spcAft>
-                <a:spcPts val="600"/>
-              </a:spcAft>
-            </a:pPr>
-            <a:r>
-              <a:rPr lang="en-US" sz="700">
-                <a:solidFill>
-                  <a:srgbClr val="FFFFFF"/>
-                </a:solidFill>
-                <a:hlinkClick r:id="rId3">
-                  <a:extLst>
-                    <a:ext uri="{A12FA001-AC4F-418D-AE19-62706E023703}">
-                      <ahyp:hlinkClr xmlns:ahyp="http://schemas.microsoft.com/office/drawing/2018/hyperlinkcolor" val="tx"/>
-                    </a:ext>
-                  </a:extLst>
-                </a:hlinkClick>
-              </a:rPr>
-              <a:t>This Photo</a:t>
-            </a:r>
-            <a:r>
-              <a:rPr lang="en-US" sz="700">
-                <a:solidFill>
-                  <a:srgbClr val="FFFFFF"/>
-                </a:solidFill>
-              </a:rPr>
-              <a:t> by Unknown author is licensed under </a:t>
-            </a:r>
-            <a:r>
-              <a:rPr lang="en-US" sz="700">
-                <a:solidFill>
-                  <a:srgbClr val="FFFFFF"/>
-                </a:solidFill>
-                <a:hlinkClick r:id="rId4">
-                  <a:extLst>
-                    <a:ext uri="{A12FA001-AC4F-418D-AE19-62706E023703}">
-                      <ahyp:hlinkClr xmlns:ahyp="http://schemas.microsoft.com/office/drawing/2018/hyperlinkcolor" val="tx"/>
-                    </a:ext>
-                  </a:extLst>
-                </a:hlinkClick>
-              </a:rPr>
-              <a:t>CC BY-SA</a:t>
-            </a:r>
-            <a:r>
-              <a:rPr lang="en-US" sz="700">
-                <a:solidFill>
-                  <a:srgbClr val="FFFFFF"/>
-                </a:solidFill>
-              </a:rPr>
-              <a:t>.</a:t>
-            </a:r>
-          </a:p>
-        </p:txBody>
-      </p:sp>
     </p:spTree>
     <p:extLst>
       <p:ext uri="{BB962C8B-B14F-4D97-AF65-F5344CB8AC3E}">
@@ -7784,12 +7721,12 @@
         </p:spPr>
         <p:txBody>
           <a:bodyPr vert="horz" lIns="91440" tIns="45720" rIns="91440" bIns="45720" rtlCol="0">
-            <a:normAutofit/>
+            <a:normAutofit fontScale="92500" lnSpcReduction="10000"/>
           </a:bodyPr>
           <a:lstStyle/>
           <a:p>
             <a:r>
-              <a:rPr lang="en-US" sz="2000">
+              <a:rPr lang="en-US" sz="2000" dirty="0">
                 <a:cs typeface="Calibri"/>
               </a:rPr>
               <a:t>PASSO 1</a:t>
@@ -7797,41 +7734,350 @@
           </a:p>
           <a:p>
             <a:r>
-              <a:rPr lang="en-US" sz="2000">
-                <a:ea typeface="+mn-lt"/>
-                <a:cs typeface="+mn-lt"/>
-              </a:rPr>
-              <a:t>Primeiro vá até a página de download da IDE </a:t>
-            </a:r>
-            <a:r>
-              <a:rPr lang="en-US" sz="2000" b="1">
-                <a:ea typeface="+mn-lt"/>
-                <a:cs typeface="+mn-lt"/>
-              </a:rPr>
-              <a:t>(</a:t>
-            </a:r>
-            <a:r>
-              <a:rPr lang="en-US" sz="2000">
-                <a:ea typeface="+mn-lt"/>
-                <a:cs typeface="+mn-lt"/>
-              </a:rPr>
-              <a:t>https://www.arduino.cc/en/software/</a:t>
-            </a:r>
-            <a:r>
-              <a:rPr lang="en-US" sz="2000" b="1">
-                <a:ea typeface="+mn-lt"/>
-                <a:cs typeface="+mn-lt"/>
-              </a:rPr>
-              <a:t>)</a:t>
-            </a:r>
-            <a:r>
-              <a:rPr lang="en-US" sz="2000">
-                <a:ea typeface="+mn-lt"/>
-                <a:cs typeface="+mn-lt"/>
-              </a:rPr>
-              <a:t> e baixe a versão mais atual para Windows. A IDE não precisará ser instalada, pois é um aplicativo feito em Java e poderá rodar nos mais diversos sistemas operacionais.</a:t>
-            </a:r>
-            <a:endParaRPr lang="en-US" sz="2000">
+              <a:rPr lang="en-US" sz="2000" dirty="0" err="1">
+                <a:ea typeface="+mn-lt"/>
+                <a:cs typeface="+mn-lt"/>
+              </a:rPr>
+              <a:t>Primeiro</a:t>
+            </a:r>
+            <a:r>
+              <a:rPr lang="en-US" sz="2000" dirty="0">
+                <a:ea typeface="+mn-lt"/>
+                <a:cs typeface="+mn-lt"/>
+              </a:rPr>
+              <a:t> </a:t>
+            </a:r>
+            <a:r>
+              <a:rPr lang="en-US" sz="2000" dirty="0" err="1">
+                <a:ea typeface="+mn-lt"/>
+                <a:cs typeface="+mn-lt"/>
+              </a:rPr>
+              <a:t>vá</a:t>
+            </a:r>
+            <a:r>
+              <a:rPr lang="en-US" sz="2000" dirty="0">
+                <a:ea typeface="+mn-lt"/>
+                <a:cs typeface="+mn-lt"/>
+              </a:rPr>
+              <a:t> </a:t>
+            </a:r>
+            <a:r>
+              <a:rPr lang="en-US" sz="2000" dirty="0" err="1">
+                <a:ea typeface="+mn-lt"/>
+                <a:cs typeface="+mn-lt"/>
+              </a:rPr>
+              <a:t>até</a:t>
+            </a:r>
+            <a:r>
+              <a:rPr lang="en-US" sz="2000" dirty="0">
+                <a:ea typeface="+mn-lt"/>
+                <a:cs typeface="+mn-lt"/>
+              </a:rPr>
+              <a:t> a </a:t>
+            </a:r>
+            <a:r>
+              <a:rPr lang="en-US" sz="2000" dirty="0" err="1">
+                <a:ea typeface="+mn-lt"/>
+                <a:cs typeface="+mn-lt"/>
+              </a:rPr>
+              <a:t>página</a:t>
+            </a:r>
+            <a:r>
+              <a:rPr lang="en-US" sz="2000" dirty="0">
+                <a:ea typeface="+mn-lt"/>
+                <a:cs typeface="+mn-lt"/>
+              </a:rPr>
+              <a:t> de download da IDE </a:t>
+            </a:r>
+            <a:br>
+              <a:rPr lang="en-US" sz="2000" dirty="0">
+                <a:ea typeface="+mn-lt"/>
+                <a:cs typeface="+mn-lt"/>
+              </a:rPr>
+            </a:br>
+            <a:br>
+              <a:rPr lang="en-US" sz="2000" dirty="0">
+                <a:ea typeface="+mn-lt"/>
+                <a:cs typeface="+mn-lt"/>
+              </a:rPr>
+            </a:br>
+            <a:r>
+              <a:rPr lang="en-US" sz="2000" b="1" dirty="0">
+                <a:ea typeface="+mn-lt"/>
+                <a:cs typeface="+mn-lt"/>
+              </a:rPr>
+              <a:t>(https://www.arduino.cc/en/software/) </a:t>
+            </a:r>
+            <a:br>
+              <a:rPr lang="en-US" sz="2000" dirty="0">
+                <a:ea typeface="+mn-lt"/>
+                <a:cs typeface="+mn-lt"/>
+              </a:rPr>
+            </a:br>
+            <a:br>
+              <a:rPr lang="en-US" sz="2000" dirty="0">
+                <a:ea typeface="+mn-lt"/>
+                <a:cs typeface="+mn-lt"/>
+              </a:rPr>
+            </a:br>
+            <a:r>
+              <a:rPr lang="en-US" sz="2000" dirty="0" err="1">
+                <a:ea typeface="+mn-lt"/>
+                <a:cs typeface="+mn-lt"/>
+              </a:rPr>
+              <a:t>Baixe</a:t>
+            </a:r>
+            <a:r>
+              <a:rPr lang="en-US" sz="2000" dirty="0">
+                <a:ea typeface="+mn-lt"/>
+                <a:cs typeface="+mn-lt"/>
+              </a:rPr>
+              <a:t> a </a:t>
+            </a:r>
+            <a:r>
+              <a:rPr lang="en-US" sz="2000" dirty="0" err="1">
+                <a:ea typeface="+mn-lt"/>
+                <a:cs typeface="+mn-lt"/>
+              </a:rPr>
+              <a:t>versão</a:t>
+            </a:r>
+            <a:r>
+              <a:rPr lang="en-US" sz="2000" dirty="0">
+                <a:ea typeface="+mn-lt"/>
+                <a:cs typeface="+mn-lt"/>
+              </a:rPr>
+              <a:t> </a:t>
+            </a:r>
+            <a:r>
+              <a:rPr lang="en-US" sz="2000" dirty="0" err="1">
+                <a:ea typeface="+mn-lt"/>
+                <a:cs typeface="+mn-lt"/>
+              </a:rPr>
+              <a:t>mais</a:t>
+            </a:r>
+            <a:r>
+              <a:rPr lang="en-US" sz="2000" dirty="0">
+                <a:ea typeface="+mn-lt"/>
+                <a:cs typeface="+mn-lt"/>
+              </a:rPr>
+              <a:t> </a:t>
+            </a:r>
+            <a:r>
+              <a:rPr lang="en-US" sz="2000" dirty="0" err="1">
+                <a:ea typeface="+mn-lt"/>
+                <a:cs typeface="+mn-lt"/>
+              </a:rPr>
+              <a:t>atual</a:t>
+            </a:r>
+            <a:r>
+              <a:rPr lang="en-US" sz="2000" dirty="0">
+                <a:ea typeface="+mn-lt"/>
+                <a:cs typeface="+mn-lt"/>
+              </a:rPr>
+              <a:t> para Windows. </a:t>
+            </a:r>
+            <a:br>
+              <a:rPr lang="en-US" sz="2000" dirty="0">
+                <a:ea typeface="+mn-lt"/>
+                <a:cs typeface="+mn-lt"/>
+              </a:rPr>
+            </a:br>
+            <a:br>
+              <a:rPr lang="en-US" sz="2000" dirty="0">
+                <a:ea typeface="+mn-lt"/>
+                <a:cs typeface="+mn-lt"/>
+              </a:rPr>
+            </a:br>
+            <a:r>
+              <a:rPr lang="en-US" sz="2000" dirty="0">
+                <a:ea typeface="+mn-lt"/>
+                <a:cs typeface="+mn-lt"/>
+              </a:rPr>
+              <a:t>A IDE </a:t>
+            </a:r>
+            <a:r>
+              <a:rPr lang="en-US" sz="2000" dirty="0" err="1">
+                <a:ea typeface="+mn-lt"/>
+                <a:cs typeface="+mn-lt"/>
+              </a:rPr>
+              <a:t>não</a:t>
+            </a:r>
+            <a:r>
+              <a:rPr lang="en-US" sz="2000" dirty="0">
+                <a:ea typeface="+mn-lt"/>
+                <a:cs typeface="+mn-lt"/>
+              </a:rPr>
+              <a:t> </a:t>
+            </a:r>
+            <a:r>
+              <a:rPr lang="en-US" sz="2000" dirty="0" err="1">
+                <a:ea typeface="+mn-lt"/>
+                <a:cs typeface="+mn-lt"/>
+              </a:rPr>
+              <a:t>precisará</a:t>
+            </a:r>
+            <a:r>
+              <a:rPr lang="en-US" sz="2000" dirty="0">
+                <a:ea typeface="+mn-lt"/>
+                <a:cs typeface="+mn-lt"/>
+              </a:rPr>
+              <a:t> ser </a:t>
+            </a:r>
+            <a:r>
+              <a:rPr lang="en-US" sz="2000" dirty="0" err="1">
+                <a:ea typeface="+mn-lt"/>
+                <a:cs typeface="+mn-lt"/>
+              </a:rPr>
+              <a:t>instalada</a:t>
+            </a:r>
+            <a:r>
+              <a:rPr lang="en-US" sz="2000" dirty="0">
+                <a:ea typeface="+mn-lt"/>
+                <a:cs typeface="+mn-lt"/>
+              </a:rPr>
+              <a:t>, pois é um </a:t>
+            </a:r>
+            <a:r>
+              <a:rPr lang="en-US" sz="2000" dirty="0" err="1">
+                <a:ea typeface="+mn-lt"/>
+                <a:cs typeface="+mn-lt"/>
+              </a:rPr>
+              <a:t>aplicativo</a:t>
+            </a:r>
+            <a:r>
+              <a:rPr lang="en-US" sz="2000" dirty="0">
+                <a:ea typeface="+mn-lt"/>
+                <a:cs typeface="+mn-lt"/>
+              </a:rPr>
+              <a:t> </a:t>
+            </a:r>
+            <a:r>
+              <a:rPr lang="en-US" sz="2000" dirty="0" err="1">
+                <a:ea typeface="+mn-lt"/>
+                <a:cs typeface="+mn-lt"/>
+              </a:rPr>
+              <a:t>feito</a:t>
+            </a:r>
+            <a:r>
+              <a:rPr lang="en-US" sz="2000" dirty="0">
+                <a:ea typeface="+mn-lt"/>
+                <a:cs typeface="+mn-lt"/>
+              </a:rPr>
+              <a:t> </a:t>
+            </a:r>
+            <a:r>
+              <a:rPr lang="en-US" sz="2000" dirty="0" err="1">
+                <a:ea typeface="+mn-lt"/>
+                <a:cs typeface="+mn-lt"/>
+              </a:rPr>
+              <a:t>em</a:t>
+            </a:r>
+            <a:r>
+              <a:rPr lang="en-US" sz="2000" dirty="0">
+                <a:ea typeface="+mn-lt"/>
+                <a:cs typeface="+mn-lt"/>
+              </a:rPr>
+              <a:t> Java e </a:t>
+            </a:r>
+            <a:r>
+              <a:rPr lang="en-US" sz="2000" dirty="0" err="1">
+                <a:ea typeface="+mn-lt"/>
+                <a:cs typeface="+mn-lt"/>
+              </a:rPr>
+              <a:t>poderá</a:t>
+            </a:r>
+            <a:r>
+              <a:rPr lang="en-US" sz="2000" dirty="0">
+                <a:ea typeface="+mn-lt"/>
+                <a:cs typeface="+mn-lt"/>
+              </a:rPr>
+              <a:t> </a:t>
+            </a:r>
+            <a:r>
+              <a:rPr lang="en-US" sz="2000" dirty="0" err="1">
+                <a:ea typeface="+mn-lt"/>
+                <a:cs typeface="+mn-lt"/>
+              </a:rPr>
+              <a:t>rodar</a:t>
+            </a:r>
+            <a:r>
+              <a:rPr lang="en-US" sz="2000" dirty="0">
+                <a:ea typeface="+mn-lt"/>
+                <a:cs typeface="+mn-lt"/>
+              </a:rPr>
+              <a:t> </a:t>
+            </a:r>
+            <a:r>
+              <a:rPr lang="en-US" sz="2000" dirty="0" err="1">
+                <a:ea typeface="+mn-lt"/>
+                <a:cs typeface="+mn-lt"/>
+              </a:rPr>
+              <a:t>nos</a:t>
+            </a:r>
+            <a:r>
+              <a:rPr lang="en-US" sz="2000" dirty="0">
+                <a:ea typeface="+mn-lt"/>
+                <a:cs typeface="+mn-lt"/>
+              </a:rPr>
+              <a:t> </a:t>
+            </a:r>
+            <a:r>
+              <a:rPr lang="en-US" sz="2000" dirty="0" err="1">
+                <a:ea typeface="+mn-lt"/>
+                <a:cs typeface="+mn-lt"/>
+              </a:rPr>
+              <a:t>mais</a:t>
+            </a:r>
+            <a:r>
+              <a:rPr lang="en-US" sz="2000" dirty="0">
+                <a:ea typeface="+mn-lt"/>
+                <a:cs typeface="+mn-lt"/>
+              </a:rPr>
+              <a:t> </a:t>
+            </a:r>
+            <a:r>
+              <a:rPr lang="en-US" sz="2000" dirty="0" err="1">
+                <a:ea typeface="+mn-lt"/>
+                <a:cs typeface="+mn-lt"/>
+              </a:rPr>
+              <a:t>diversos</a:t>
+            </a:r>
+            <a:r>
+              <a:rPr lang="en-US" sz="2000" dirty="0">
+                <a:ea typeface="+mn-lt"/>
+                <a:cs typeface="+mn-lt"/>
+              </a:rPr>
+              <a:t> </a:t>
+            </a:r>
+            <a:r>
+              <a:rPr lang="en-US" sz="2000" dirty="0" err="1">
+                <a:ea typeface="+mn-lt"/>
+                <a:cs typeface="+mn-lt"/>
+              </a:rPr>
+              <a:t>sistemas</a:t>
+            </a:r>
+            <a:r>
+              <a:rPr lang="en-US" sz="2000" dirty="0">
+                <a:ea typeface="+mn-lt"/>
+                <a:cs typeface="+mn-lt"/>
+              </a:rPr>
+              <a:t> </a:t>
+            </a:r>
+            <a:r>
+              <a:rPr lang="en-US" sz="2000" dirty="0" err="1">
+                <a:ea typeface="+mn-lt"/>
+                <a:cs typeface="+mn-lt"/>
+              </a:rPr>
+              <a:t>operacionais</a:t>
+            </a:r>
+            <a:r>
+              <a:rPr lang="en-US" sz="2000" dirty="0">
+                <a:ea typeface="+mn-lt"/>
+                <a:cs typeface="+mn-lt"/>
+              </a:rPr>
+              <a:t>.</a:t>
+            </a:r>
+            <a:endParaRPr lang="en-US" sz="2000" dirty="0">
               <a:cs typeface="Calibri"/>
             </a:endParaRPr>
           </a:p>
@@ -8005,6 +8251,42 @@
           <a:effectLst/>
         </p:spPr>
       </p:pic>
+      <p:cxnSp>
+        <p:nvCxnSpPr>
+          <p:cNvPr id="6" name="Conector reto 5">
+            <a:extLst>
+              <a:ext uri="{FF2B5EF4-FFF2-40B4-BE49-F238E27FC236}">
+                <a16:creationId xmlns:a16="http://schemas.microsoft.com/office/drawing/2014/main" id="{770BB1FF-52E4-49EE-919C-B46102604484}"/>
+              </a:ext>
+            </a:extLst>
+          </p:cNvPr>
+          <p:cNvCxnSpPr/>
+          <p:nvPr/>
+        </p:nvCxnSpPr>
+        <p:spPr>
+          <a:xfrm>
+            <a:off x="763480" y="2121763"/>
+            <a:ext cx="3124939" cy="0"/>
+          </a:xfrm>
+          <a:prstGeom prst="line">
+            <a:avLst/>
+          </a:prstGeom>
+        </p:spPr>
+        <p:style>
+          <a:lnRef idx="2">
+            <a:schemeClr val="accent2"/>
+          </a:lnRef>
+          <a:fillRef idx="0">
+            <a:schemeClr val="accent2"/>
+          </a:fillRef>
+          <a:effectRef idx="1">
+            <a:schemeClr val="accent2"/>
+          </a:effectRef>
+          <a:fontRef idx="minor">
+            <a:schemeClr val="tx1"/>
+          </a:fontRef>
+        </p:style>
+      </p:cxnSp>
     </p:spTree>
     <p:extLst>
       <p:ext uri="{BB962C8B-B14F-4D97-AF65-F5344CB8AC3E}">
@@ -8443,27 +8725,347 @@
           <a:lstStyle/>
           <a:p>
             <a:r>
-              <a:rPr lang="en-US" sz="2200">
-                <a:ea typeface="+mn-lt"/>
-                <a:cs typeface="+mn-lt"/>
-              </a:rPr>
-              <a:t>Quando finalizar o download, descompacte a pasta no diretório: </a:t>
-            </a:r>
-            <a:r>
-              <a:rPr lang="en-US" sz="2200" b="1">
+              <a:rPr lang="en-US" sz="2200" dirty="0" err="1">
+                <a:ea typeface="+mn-lt"/>
+                <a:cs typeface="+mn-lt"/>
+              </a:rPr>
+              <a:t>Quando</a:t>
+            </a:r>
+            <a:r>
+              <a:rPr lang="en-US" sz="2200" dirty="0">
+                <a:ea typeface="+mn-lt"/>
+                <a:cs typeface="+mn-lt"/>
+              </a:rPr>
+              <a:t> </a:t>
+            </a:r>
+            <a:r>
+              <a:rPr lang="en-US" sz="2200" dirty="0" err="1">
+                <a:ea typeface="+mn-lt"/>
+                <a:cs typeface="+mn-lt"/>
+              </a:rPr>
+              <a:t>finalizar</a:t>
+            </a:r>
+            <a:r>
+              <a:rPr lang="en-US" sz="2200" dirty="0">
+                <a:ea typeface="+mn-lt"/>
+                <a:cs typeface="+mn-lt"/>
+              </a:rPr>
+              <a:t> o download, </a:t>
+            </a:r>
+            <a:r>
+              <a:rPr lang="en-US" sz="2200" dirty="0" err="1">
+                <a:ea typeface="+mn-lt"/>
+                <a:cs typeface="+mn-lt"/>
+              </a:rPr>
+              <a:t>descompacte</a:t>
+            </a:r>
+            <a:r>
+              <a:rPr lang="en-US" sz="2200" dirty="0">
+                <a:ea typeface="+mn-lt"/>
+                <a:cs typeface="+mn-lt"/>
+              </a:rPr>
+              <a:t> a pasta no </a:t>
+            </a:r>
+            <a:r>
+              <a:rPr lang="en-US" sz="2200" dirty="0" err="1">
+                <a:ea typeface="+mn-lt"/>
+                <a:cs typeface="+mn-lt"/>
+              </a:rPr>
+              <a:t>diretório</a:t>
+            </a:r>
+            <a:r>
+              <a:rPr lang="en-US" sz="2200" dirty="0">
+                <a:ea typeface="+mn-lt"/>
+                <a:cs typeface="+mn-lt"/>
+              </a:rPr>
+              <a:t>: </a:t>
+            </a:r>
+            <a:r>
+              <a:rPr lang="en-US" sz="2200" b="1" dirty="0">
                 <a:ea typeface="+mn-lt"/>
                 <a:cs typeface="+mn-lt"/>
               </a:rPr>
               <a:t>C:\</a:t>
             </a:r>
             <a:r>
-              <a:rPr lang="en-US" sz="2200">
-                <a:ea typeface="+mn-lt"/>
-                <a:cs typeface="+mn-lt"/>
-              </a:rPr>
-              <a:t> conforme apresentado na figura abaixo. (É extremamente importante que não sejam alterados os arquivos desta pasta, a menos que você saiba o que está fazendo)</a:t>
-            </a:r>
-            <a:endParaRPr lang="en-US" sz="2200"/>
+              <a:rPr lang="en-US" sz="2200" dirty="0">
+                <a:ea typeface="+mn-lt"/>
+                <a:cs typeface="+mn-lt"/>
+              </a:rPr>
+              <a:t> </a:t>
+            </a:r>
+            <a:r>
+              <a:rPr lang="en-US" sz="2200" dirty="0" err="1">
+                <a:ea typeface="+mn-lt"/>
+                <a:cs typeface="+mn-lt"/>
+              </a:rPr>
+              <a:t>conforme</a:t>
+            </a:r>
+            <a:r>
+              <a:rPr lang="en-US" sz="2200" dirty="0">
+                <a:ea typeface="+mn-lt"/>
+                <a:cs typeface="+mn-lt"/>
+              </a:rPr>
+              <a:t> </a:t>
+            </a:r>
+            <a:r>
+              <a:rPr lang="en-US" sz="2200" dirty="0" err="1">
+                <a:ea typeface="+mn-lt"/>
+                <a:cs typeface="+mn-lt"/>
+              </a:rPr>
+              <a:t>apresentado</a:t>
+            </a:r>
+            <a:r>
+              <a:rPr lang="en-US" sz="2200" dirty="0">
+                <a:ea typeface="+mn-lt"/>
+                <a:cs typeface="+mn-lt"/>
+              </a:rPr>
+              <a:t> </a:t>
+            </a:r>
+            <a:r>
+              <a:rPr lang="en-US" sz="2200" dirty="0" err="1">
+                <a:ea typeface="+mn-lt"/>
+                <a:cs typeface="+mn-lt"/>
+              </a:rPr>
+              <a:t>na</a:t>
+            </a:r>
+            <a:r>
+              <a:rPr lang="en-US" sz="2200" dirty="0">
+                <a:ea typeface="+mn-lt"/>
+                <a:cs typeface="+mn-lt"/>
+              </a:rPr>
+              <a:t> </a:t>
+            </a:r>
+            <a:r>
+              <a:rPr lang="en-US" sz="2200" dirty="0" err="1">
+                <a:ea typeface="+mn-lt"/>
+                <a:cs typeface="+mn-lt"/>
+              </a:rPr>
+              <a:t>figura</a:t>
+            </a:r>
+            <a:r>
+              <a:rPr lang="en-US" sz="2200" dirty="0">
+                <a:ea typeface="+mn-lt"/>
+                <a:cs typeface="+mn-lt"/>
+              </a:rPr>
+              <a:t> </a:t>
+            </a:r>
+            <a:r>
+              <a:rPr lang="en-US" sz="2200" dirty="0" err="1">
+                <a:ea typeface="+mn-lt"/>
+                <a:cs typeface="+mn-lt"/>
+              </a:rPr>
+              <a:t>abaixo</a:t>
+            </a:r>
+            <a:r>
+              <a:rPr lang="en-US" sz="2200" dirty="0">
+                <a:ea typeface="+mn-lt"/>
+                <a:cs typeface="+mn-lt"/>
+              </a:rPr>
+              <a:t>. </a:t>
+            </a:r>
+            <a:br>
+              <a:rPr lang="en-US" sz="2200" dirty="0">
+                <a:ea typeface="+mn-lt"/>
+                <a:cs typeface="+mn-lt"/>
+              </a:rPr>
+            </a:br>
+            <a:br>
+              <a:rPr lang="en-US" sz="2200" dirty="0">
+                <a:ea typeface="+mn-lt"/>
+                <a:cs typeface="+mn-lt"/>
+              </a:rPr>
+            </a:br>
+            <a:r>
+              <a:rPr lang="en-US" sz="1600" i="1" dirty="0">
+                <a:ea typeface="+mn-lt"/>
+                <a:cs typeface="+mn-lt"/>
+              </a:rPr>
+              <a:t>(É </a:t>
+            </a:r>
+            <a:r>
+              <a:rPr lang="en-US" sz="1600" i="1" dirty="0" err="1">
+                <a:ea typeface="+mn-lt"/>
+                <a:cs typeface="+mn-lt"/>
+              </a:rPr>
+              <a:t>extremamente</a:t>
+            </a:r>
+            <a:r>
+              <a:rPr lang="en-US" sz="1600" i="1" dirty="0">
+                <a:ea typeface="+mn-lt"/>
+                <a:cs typeface="+mn-lt"/>
+              </a:rPr>
+              <a:t> </a:t>
+            </a:r>
+            <a:r>
+              <a:rPr lang="en-US" sz="1600" i="1" dirty="0" err="1">
+                <a:ea typeface="+mn-lt"/>
+                <a:cs typeface="+mn-lt"/>
+              </a:rPr>
+              <a:t>importante</a:t>
+            </a:r>
+            <a:r>
+              <a:rPr lang="en-US" sz="1600" i="1" dirty="0">
+                <a:ea typeface="+mn-lt"/>
+                <a:cs typeface="+mn-lt"/>
+              </a:rPr>
+              <a:t> que </a:t>
+            </a:r>
+            <a:r>
+              <a:rPr lang="en-US" sz="1600" i="1" dirty="0" err="1">
+                <a:ea typeface="+mn-lt"/>
+                <a:cs typeface="+mn-lt"/>
+              </a:rPr>
+              <a:t>não</a:t>
+            </a:r>
+            <a:r>
+              <a:rPr lang="en-US" sz="1600" i="1" dirty="0">
+                <a:ea typeface="+mn-lt"/>
+                <a:cs typeface="+mn-lt"/>
+              </a:rPr>
+              <a:t> </a:t>
+            </a:r>
+            <a:r>
+              <a:rPr lang="en-US" sz="1600" i="1" dirty="0" err="1">
+                <a:ea typeface="+mn-lt"/>
+                <a:cs typeface="+mn-lt"/>
+              </a:rPr>
+              <a:t>sejam</a:t>
+            </a:r>
+            <a:r>
+              <a:rPr lang="en-US" sz="1600" i="1" dirty="0">
+                <a:ea typeface="+mn-lt"/>
+                <a:cs typeface="+mn-lt"/>
+              </a:rPr>
+              <a:t> </a:t>
+            </a:r>
+            <a:r>
+              <a:rPr lang="en-US" sz="1600" i="1" dirty="0" err="1">
+                <a:ea typeface="+mn-lt"/>
+                <a:cs typeface="+mn-lt"/>
+              </a:rPr>
+              <a:t>alterados</a:t>
+            </a:r>
+            <a:r>
+              <a:rPr lang="en-US" sz="1600" i="1" dirty="0">
+                <a:ea typeface="+mn-lt"/>
+                <a:cs typeface="+mn-lt"/>
+              </a:rPr>
+              <a:t> </a:t>
+            </a:r>
+            <a:r>
+              <a:rPr lang="en-US" sz="1600" i="1" dirty="0" err="1">
+                <a:ea typeface="+mn-lt"/>
+                <a:cs typeface="+mn-lt"/>
+              </a:rPr>
+              <a:t>os</a:t>
+            </a:r>
+            <a:r>
+              <a:rPr lang="en-US" sz="1600" i="1" dirty="0">
+                <a:ea typeface="+mn-lt"/>
+                <a:cs typeface="+mn-lt"/>
+              </a:rPr>
+              <a:t> </a:t>
+            </a:r>
+            <a:r>
+              <a:rPr lang="en-US" sz="1600" i="1" dirty="0" err="1">
+                <a:ea typeface="+mn-lt"/>
+                <a:cs typeface="+mn-lt"/>
+              </a:rPr>
+              <a:t>arquivos</a:t>
+            </a:r>
+            <a:r>
+              <a:rPr lang="en-US" sz="1600" i="1" dirty="0">
+                <a:ea typeface="+mn-lt"/>
+                <a:cs typeface="+mn-lt"/>
+              </a:rPr>
+              <a:t> </a:t>
+            </a:r>
+            <a:r>
+              <a:rPr lang="en-US" sz="1600" i="1" dirty="0" err="1">
+                <a:ea typeface="+mn-lt"/>
+                <a:cs typeface="+mn-lt"/>
+              </a:rPr>
+              <a:t>desta</a:t>
+            </a:r>
+            <a:r>
+              <a:rPr lang="en-US" sz="1600" i="1" dirty="0">
+                <a:ea typeface="+mn-lt"/>
+                <a:cs typeface="+mn-lt"/>
+              </a:rPr>
+              <a:t> pasta, a </a:t>
+            </a:r>
+            <a:r>
+              <a:rPr lang="en-US" sz="1600" i="1" dirty="0" err="1">
+                <a:ea typeface="+mn-lt"/>
+                <a:cs typeface="+mn-lt"/>
+              </a:rPr>
+              <a:t>menos</a:t>
+            </a:r>
+            <a:r>
+              <a:rPr lang="en-US" sz="1600" i="1" dirty="0">
+                <a:ea typeface="+mn-lt"/>
+                <a:cs typeface="+mn-lt"/>
+              </a:rPr>
+              <a:t> que </a:t>
+            </a:r>
+            <a:r>
+              <a:rPr lang="en-US" sz="1600" i="1" dirty="0" err="1">
+                <a:ea typeface="+mn-lt"/>
+                <a:cs typeface="+mn-lt"/>
+              </a:rPr>
+              <a:t>você</a:t>
+            </a:r>
+            <a:r>
+              <a:rPr lang="en-US" sz="1600" i="1" dirty="0">
+                <a:ea typeface="+mn-lt"/>
+                <a:cs typeface="+mn-lt"/>
+              </a:rPr>
+              <a:t> </a:t>
+            </a:r>
+            <a:r>
+              <a:rPr lang="en-US" sz="1600" i="1" dirty="0" err="1">
+                <a:ea typeface="+mn-lt"/>
+                <a:cs typeface="+mn-lt"/>
+              </a:rPr>
+              <a:t>saiba</a:t>
+            </a:r>
+            <a:r>
+              <a:rPr lang="en-US" sz="1600" i="1" dirty="0">
+                <a:ea typeface="+mn-lt"/>
+                <a:cs typeface="+mn-lt"/>
+              </a:rPr>
+              <a:t> o que </a:t>
+            </a:r>
+            <a:r>
+              <a:rPr lang="en-US" sz="1600" i="1" dirty="0" err="1">
+                <a:ea typeface="+mn-lt"/>
+                <a:cs typeface="+mn-lt"/>
+              </a:rPr>
+              <a:t>está</a:t>
+            </a:r>
+            <a:r>
+              <a:rPr lang="en-US" sz="1600" i="1" dirty="0">
+                <a:ea typeface="+mn-lt"/>
+                <a:cs typeface="+mn-lt"/>
+              </a:rPr>
+              <a:t> </a:t>
+            </a:r>
+            <a:r>
+              <a:rPr lang="en-US" sz="1600" i="1" dirty="0" err="1">
+                <a:ea typeface="+mn-lt"/>
+                <a:cs typeface="+mn-lt"/>
+              </a:rPr>
+              <a:t>fazendo</a:t>
+            </a:r>
+            <a:r>
+              <a:rPr lang="en-US" sz="1600" i="1" dirty="0">
+                <a:ea typeface="+mn-lt"/>
+                <a:cs typeface="+mn-lt"/>
+              </a:rPr>
+              <a:t>)</a:t>
+            </a:r>
+            <a:endParaRPr lang="en-US" sz="2200" i="1" dirty="0"/>
           </a:p>
         </p:txBody>
       </p:sp>
@@ -9636,8 +10238,8 @@
         </p:nvSpPr>
         <p:spPr>
           <a:xfrm>
-            <a:off x="560851" y="-6619"/>
-            <a:ext cx="4590162" cy="2861125"/>
+            <a:off x="435006" y="787015"/>
+            <a:ext cx="4645953" cy="1822476"/>
           </a:xfrm>
           <a:noFill/>
         </p:spPr>
@@ -9647,9 +10249,8 @@
           </a:bodyPr>
           <a:lstStyle/>
           <a:p>
-            <a:pPr algn="l"/>
-            <a:r>
-              <a:rPr lang="en-US" sz="4400" kern="1200">
+            <a:r>
+              <a:rPr lang="en-US" sz="4000" b="1" kern="1200" dirty="0">
                 <a:solidFill>
                   <a:schemeClr val="bg1"/>
                 </a:solidFill>
@@ -9660,7 +10261,7 @@
               <a:t>COMO FUNCIONA?</a:t>
             </a:r>
             <a:br>
-              <a:rPr lang="en-US" sz="4400" kern="1200">
+              <a:rPr lang="en-US" sz="4000" b="1" kern="1200" dirty="0">
                 <a:solidFill>
                   <a:schemeClr val="bg1"/>
                 </a:solidFill>
@@ -9669,7 +10270,7 @@
                 <a:cs typeface="+mj-cs"/>
               </a:rPr>
             </a:br>
-            <a:endParaRPr lang="en-US" sz="4400" kern="1200">
+            <a:endParaRPr lang="en-US" sz="4000" b="1" kern="1200" dirty="0">
               <a:solidFill>
                 <a:schemeClr val="bg1"/>
               </a:solidFill>
@@ -9705,7 +10306,7 @@
           <a:p>
             <a:pPr algn="l"/>
             <a:r>
-              <a:rPr lang="en-US" sz="1900" kern="1200">
+              <a:rPr lang="en-US" sz="1900" kern="1200" dirty="0" err="1">
                 <a:solidFill>
                   <a:schemeClr val="bg1"/>
                 </a:solidFill>
@@ -9713,13 +10314,10 @@
                 <a:ea typeface="+mn-ea"/>
                 <a:cs typeface="+mn-cs"/>
               </a:rPr>
-              <a:t>Esses sensores são calibrados  para produzir uma tensão proporcional às diferentes unidades de temperatura.</a:t>
-            </a:r>
-          </a:p>
-          <a:p>
-            <a:pPr algn="l"/>
-            <a:r>
-              <a:rPr lang="en-US" sz="1900" kern="1200">
+              <a:t>Esses</a:t>
+            </a:r>
+            <a:r>
+              <a:rPr lang="en-US" sz="1900" kern="1200" dirty="0">
                 <a:solidFill>
                   <a:schemeClr val="bg1"/>
                 </a:solidFill>
@@ -9727,12 +10325,378 @@
                 <a:ea typeface="+mn-ea"/>
                 <a:cs typeface="+mn-cs"/>
               </a:rPr>
-              <a:t>O LM35 produz 10 mV por aumento de graus Celsius na temperatura. </a:t>
+              <a:t> </a:t>
+            </a:r>
+            <a:r>
+              <a:rPr lang="en-US" sz="1900" kern="1200" dirty="0" err="1">
+                <a:solidFill>
+                  <a:schemeClr val="bg1"/>
+                </a:solidFill>
+                <a:latin typeface="+mn-lt"/>
+                <a:ea typeface="+mn-ea"/>
+                <a:cs typeface="+mn-cs"/>
+              </a:rPr>
+              <a:t>sensores</a:t>
+            </a:r>
+            <a:r>
+              <a:rPr lang="en-US" sz="1900" kern="1200" dirty="0">
+                <a:solidFill>
+                  <a:schemeClr val="bg1"/>
+                </a:solidFill>
+                <a:latin typeface="+mn-lt"/>
+                <a:ea typeface="+mn-ea"/>
+                <a:cs typeface="+mn-cs"/>
+              </a:rPr>
+              <a:t> </a:t>
+            </a:r>
+            <a:r>
+              <a:rPr lang="en-US" sz="1900" kern="1200" dirty="0" err="1">
+                <a:solidFill>
+                  <a:schemeClr val="bg1"/>
+                </a:solidFill>
+                <a:latin typeface="+mn-lt"/>
+                <a:ea typeface="+mn-ea"/>
+                <a:cs typeface="+mn-cs"/>
+              </a:rPr>
+              <a:t>são</a:t>
+            </a:r>
+            <a:r>
+              <a:rPr lang="en-US" sz="1900" kern="1200" dirty="0">
+                <a:solidFill>
+                  <a:schemeClr val="bg1"/>
+                </a:solidFill>
+                <a:latin typeface="+mn-lt"/>
+                <a:ea typeface="+mn-ea"/>
+                <a:cs typeface="+mn-cs"/>
+              </a:rPr>
+              <a:t> </a:t>
+            </a:r>
+            <a:r>
+              <a:rPr lang="en-US" sz="1900" kern="1200" dirty="0" err="1">
+                <a:solidFill>
+                  <a:schemeClr val="bg1"/>
+                </a:solidFill>
+                <a:latin typeface="+mn-lt"/>
+                <a:ea typeface="+mn-ea"/>
+                <a:cs typeface="+mn-cs"/>
+              </a:rPr>
+              <a:t>calibrados</a:t>
+            </a:r>
+            <a:r>
+              <a:rPr lang="en-US" sz="1900" kern="1200" dirty="0">
+                <a:solidFill>
+                  <a:schemeClr val="bg1"/>
+                </a:solidFill>
+                <a:latin typeface="+mn-lt"/>
+                <a:ea typeface="+mn-ea"/>
+                <a:cs typeface="+mn-cs"/>
+              </a:rPr>
+              <a:t>  para </a:t>
+            </a:r>
+            <a:r>
+              <a:rPr lang="en-US" sz="1900" kern="1200" dirty="0" err="1">
+                <a:solidFill>
+                  <a:schemeClr val="bg1"/>
+                </a:solidFill>
+                <a:latin typeface="+mn-lt"/>
+                <a:ea typeface="+mn-ea"/>
+                <a:cs typeface="+mn-cs"/>
+              </a:rPr>
+              <a:t>produzir</a:t>
+            </a:r>
+            <a:r>
+              <a:rPr lang="en-US" sz="1900" kern="1200" dirty="0">
+                <a:solidFill>
+                  <a:schemeClr val="bg1"/>
+                </a:solidFill>
+                <a:latin typeface="+mn-lt"/>
+                <a:ea typeface="+mn-ea"/>
+                <a:cs typeface="+mn-cs"/>
+              </a:rPr>
+              <a:t> </a:t>
+            </a:r>
+            <a:r>
+              <a:rPr lang="en-US" sz="1900" kern="1200" dirty="0" err="1">
+                <a:solidFill>
+                  <a:schemeClr val="bg1"/>
+                </a:solidFill>
+                <a:latin typeface="+mn-lt"/>
+                <a:ea typeface="+mn-ea"/>
+                <a:cs typeface="+mn-cs"/>
+              </a:rPr>
+              <a:t>uma</a:t>
+            </a:r>
+            <a:r>
+              <a:rPr lang="en-US" sz="1900" kern="1200" dirty="0">
+                <a:solidFill>
+                  <a:schemeClr val="bg1"/>
+                </a:solidFill>
+                <a:latin typeface="+mn-lt"/>
+                <a:ea typeface="+mn-ea"/>
+                <a:cs typeface="+mn-cs"/>
+              </a:rPr>
+              <a:t> </a:t>
+            </a:r>
+            <a:r>
+              <a:rPr lang="en-US" sz="1900" kern="1200" dirty="0" err="1">
+                <a:solidFill>
+                  <a:schemeClr val="bg1"/>
+                </a:solidFill>
+                <a:latin typeface="+mn-lt"/>
+                <a:ea typeface="+mn-ea"/>
+                <a:cs typeface="+mn-cs"/>
+              </a:rPr>
+              <a:t>tensão</a:t>
+            </a:r>
+            <a:r>
+              <a:rPr lang="en-US" sz="1900" kern="1200" dirty="0">
+                <a:solidFill>
+                  <a:schemeClr val="bg1"/>
+                </a:solidFill>
+                <a:latin typeface="+mn-lt"/>
+                <a:ea typeface="+mn-ea"/>
+                <a:cs typeface="+mn-cs"/>
+              </a:rPr>
+              <a:t> </a:t>
+            </a:r>
+            <a:r>
+              <a:rPr lang="en-US" sz="1900" kern="1200" dirty="0" err="1">
+                <a:solidFill>
+                  <a:schemeClr val="bg1"/>
+                </a:solidFill>
+                <a:latin typeface="+mn-lt"/>
+                <a:ea typeface="+mn-ea"/>
+                <a:cs typeface="+mn-cs"/>
+              </a:rPr>
+              <a:t>proporcional</a:t>
+            </a:r>
+            <a:r>
+              <a:rPr lang="en-US" sz="1900" kern="1200" dirty="0">
+                <a:solidFill>
+                  <a:schemeClr val="bg1"/>
+                </a:solidFill>
+                <a:latin typeface="+mn-lt"/>
+                <a:ea typeface="+mn-ea"/>
+                <a:cs typeface="+mn-cs"/>
+              </a:rPr>
+              <a:t> </a:t>
+            </a:r>
+            <a:r>
+              <a:rPr lang="en-US" sz="1900" kern="1200" dirty="0" err="1">
+                <a:solidFill>
+                  <a:schemeClr val="bg1"/>
+                </a:solidFill>
+                <a:latin typeface="+mn-lt"/>
+                <a:ea typeface="+mn-ea"/>
+                <a:cs typeface="+mn-cs"/>
+              </a:rPr>
+              <a:t>às</a:t>
+            </a:r>
+            <a:r>
+              <a:rPr lang="en-US" sz="1900" kern="1200" dirty="0">
+                <a:solidFill>
+                  <a:schemeClr val="bg1"/>
+                </a:solidFill>
+                <a:latin typeface="+mn-lt"/>
+                <a:ea typeface="+mn-ea"/>
+                <a:cs typeface="+mn-cs"/>
+              </a:rPr>
+              <a:t> </a:t>
+            </a:r>
+            <a:r>
+              <a:rPr lang="en-US" sz="1900" kern="1200" dirty="0" err="1">
+                <a:solidFill>
+                  <a:schemeClr val="bg1"/>
+                </a:solidFill>
+                <a:latin typeface="+mn-lt"/>
+                <a:ea typeface="+mn-ea"/>
+                <a:cs typeface="+mn-cs"/>
+              </a:rPr>
+              <a:t>diferentes</a:t>
+            </a:r>
+            <a:r>
+              <a:rPr lang="en-US" sz="1900" kern="1200" dirty="0">
+                <a:solidFill>
+                  <a:schemeClr val="bg1"/>
+                </a:solidFill>
+                <a:latin typeface="+mn-lt"/>
+                <a:ea typeface="+mn-ea"/>
+                <a:cs typeface="+mn-cs"/>
+              </a:rPr>
+              <a:t> </a:t>
+            </a:r>
+            <a:r>
+              <a:rPr lang="en-US" sz="1900" kern="1200" dirty="0" err="1">
+                <a:solidFill>
+                  <a:schemeClr val="bg1"/>
+                </a:solidFill>
+                <a:latin typeface="+mn-lt"/>
+                <a:ea typeface="+mn-ea"/>
+                <a:cs typeface="+mn-cs"/>
+              </a:rPr>
+              <a:t>unidades</a:t>
+            </a:r>
+            <a:r>
+              <a:rPr lang="en-US" sz="1900" kern="1200" dirty="0">
+                <a:solidFill>
+                  <a:schemeClr val="bg1"/>
+                </a:solidFill>
+                <a:latin typeface="+mn-lt"/>
+                <a:ea typeface="+mn-ea"/>
+                <a:cs typeface="+mn-cs"/>
+              </a:rPr>
+              <a:t> de </a:t>
+            </a:r>
+            <a:r>
+              <a:rPr lang="en-US" sz="1900" kern="1200" dirty="0" err="1">
+                <a:solidFill>
+                  <a:schemeClr val="bg1"/>
+                </a:solidFill>
+                <a:latin typeface="+mn-lt"/>
+                <a:ea typeface="+mn-ea"/>
+                <a:cs typeface="+mn-cs"/>
+              </a:rPr>
+              <a:t>temperatura</a:t>
+            </a:r>
+            <a:r>
+              <a:rPr lang="en-US" sz="1900" kern="1200" dirty="0">
+                <a:solidFill>
+                  <a:schemeClr val="bg1"/>
+                </a:solidFill>
+                <a:latin typeface="+mn-lt"/>
+                <a:ea typeface="+mn-ea"/>
+                <a:cs typeface="+mn-cs"/>
+              </a:rPr>
+              <a:t>.</a:t>
             </a:r>
           </a:p>
           <a:p>
             <a:pPr algn="l"/>
-            <a:endParaRPr lang="en-US" sz="1900" kern="1200">
+            <a:r>
+              <a:rPr lang="en-US" sz="1900" kern="1200" dirty="0">
+                <a:solidFill>
+                  <a:schemeClr val="bg1"/>
+                </a:solidFill>
+                <a:latin typeface="+mn-lt"/>
+                <a:ea typeface="+mn-ea"/>
+                <a:cs typeface="+mn-cs"/>
+              </a:rPr>
+              <a:t>O LM35 </a:t>
+            </a:r>
+            <a:r>
+              <a:rPr lang="en-US" sz="1900" kern="1200" dirty="0" err="1">
+                <a:solidFill>
+                  <a:schemeClr val="bg1"/>
+                </a:solidFill>
+                <a:latin typeface="+mn-lt"/>
+                <a:ea typeface="+mn-ea"/>
+                <a:cs typeface="+mn-cs"/>
+              </a:rPr>
+              <a:t>produz</a:t>
+            </a:r>
+            <a:r>
+              <a:rPr lang="en-US" sz="1900" kern="1200" dirty="0">
+                <a:solidFill>
+                  <a:schemeClr val="bg1"/>
+                </a:solidFill>
+                <a:latin typeface="+mn-lt"/>
+                <a:ea typeface="+mn-ea"/>
+                <a:cs typeface="+mn-cs"/>
+              </a:rPr>
+              <a:t> 10 mV por </a:t>
+            </a:r>
+            <a:r>
+              <a:rPr lang="en-US" sz="1900" kern="1200" dirty="0" err="1">
+                <a:solidFill>
+                  <a:schemeClr val="bg1"/>
+                </a:solidFill>
+                <a:latin typeface="+mn-lt"/>
+                <a:ea typeface="+mn-ea"/>
+                <a:cs typeface="+mn-cs"/>
+              </a:rPr>
+              <a:t>aumento</a:t>
+            </a:r>
+            <a:r>
+              <a:rPr lang="en-US" sz="1900" kern="1200" dirty="0">
+                <a:solidFill>
+                  <a:schemeClr val="bg1"/>
+                </a:solidFill>
+                <a:latin typeface="+mn-lt"/>
+                <a:ea typeface="+mn-ea"/>
+                <a:cs typeface="+mn-cs"/>
+              </a:rPr>
+              <a:t> de </a:t>
+            </a:r>
+            <a:r>
+              <a:rPr lang="en-US" sz="1900" kern="1200" dirty="0" err="1">
+                <a:solidFill>
+                  <a:schemeClr val="bg1"/>
+                </a:solidFill>
+                <a:latin typeface="+mn-lt"/>
+                <a:ea typeface="+mn-ea"/>
+                <a:cs typeface="+mn-cs"/>
+              </a:rPr>
+              <a:t>graus</a:t>
+            </a:r>
+            <a:r>
+              <a:rPr lang="en-US" sz="1900" kern="1200" dirty="0">
+                <a:solidFill>
+                  <a:schemeClr val="bg1"/>
+                </a:solidFill>
+                <a:latin typeface="+mn-lt"/>
+                <a:ea typeface="+mn-ea"/>
+                <a:cs typeface="+mn-cs"/>
+              </a:rPr>
+              <a:t> Celsius </a:t>
+            </a:r>
+            <a:r>
+              <a:rPr lang="en-US" sz="1900" kern="1200" dirty="0" err="1">
+                <a:solidFill>
+                  <a:schemeClr val="bg1"/>
+                </a:solidFill>
+                <a:latin typeface="+mn-lt"/>
+                <a:ea typeface="+mn-ea"/>
+                <a:cs typeface="+mn-cs"/>
+              </a:rPr>
+              <a:t>na</a:t>
+            </a:r>
+            <a:r>
+              <a:rPr lang="en-US" sz="1900" kern="1200" dirty="0">
+                <a:solidFill>
+                  <a:schemeClr val="bg1"/>
+                </a:solidFill>
+                <a:latin typeface="+mn-lt"/>
+                <a:ea typeface="+mn-ea"/>
+                <a:cs typeface="+mn-cs"/>
+              </a:rPr>
+              <a:t> </a:t>
+            </a:r>
+            <a:r>
+              <a:rPr lang="en-US" sz="1900" kern="1200" dirty="0" err="1">
+                <a:solidFill>
+                  <a:schemeClr val="bg1"/>
+                </a:solidFill>
+                <a:latin typeface="+mn-lt"/>
+                <a:ea typeface="+mn-ea"/>
+                <a:cs typeface="+mn-cs"/>
+              </a:rPr>
+              <a:t>temperatura</a:t>
+            </a:r>
+            <a:r>
+              <a:rPr lang="en-US" sz="1900" kern="1200" dirty="0">
+                <a:solidFill>
+                  <a:schemeClr val="bg1"/>
+                </a:solidFill>
+                <a:latin typeface="+mn-lt"/>
+                <a:ea typeface="+mn-ea"/>
+                <a:cs typeface="+mn-cs"/>
+              </a:rPr>
+              <a:t>. </a:t>
+            </a:r>
+          </a:p>
+          <a:p>
+            <a:pPr algn="l"/>
+            <a:endParaRPr lang="en-US" sz="1900" kern="1200" dirty="0">
               <a:solidFill>
                 <a:schemeClr val="bg1"/>
               </a:solidFill>
